--- a/documentation/TickeChain.pptx
+++ b/documentation/TickeChain.pptx
@@ -4621,7 +4621,7 @@
                 <a:cs typeface="Montserrat Ultra-Bold"/>
                 <a:sym typeface="Montserrat Ultra-Bold"/>
               </a:rPr>
-              <a:t>Design Patter Implementati</a:t>
+              <a:t>Design Pattern Implementati</a:t>
             </a:r>
           </a:p>
         </p:txBody>
